--- a/Presentation/06 - Blazor - Komunikace mezi komponentami.pptx
+++ b/Presentation/06 - Blazor - Komunikace mezi komponentami.pptx
@@ -241,7 +241,7 @@
             <a:fld id="{A74C3DD1-6B4C-423E-A696-BD4124EC33BC}" type="datetimeFigureOut">
               <a:rPr lang="cs-CZ" smtClean="0"/>
               <a:pPr/>
-              <a:t>25.02.2020</a:t>
+              <a:t>26.02.2020</a:t>
             </a:fld>
             <a:endParaRPr lang="cs-CZ" dirty="0"/>
           </a:p>
@@ -708,7 +708,7 @@
           <a:p>
             <a:fld id="{0DA6F2F8-F70A-47D7-AD2D-4F12E71A0C18}" type="datetimeFigureOut">
               <a:rPr lang="cs-CZ" smtClean="0"/>
-              <a:t>25.02.2020</a:t>
+              <a:t>26.02.2020</a:t>
             </a:fld>
             <a:endParaRPr lang="cs-CZ"/>
           </a:p>
@@ -890,7 +890,7 @@
           <a:p>
             <a:fld id="{0DA6F2F8-F70A-47D7-AD2D-4F12E71A0C18}" type="datetimeFigureOut">
               <a:rPr lang="cs-CZ" smtClean="0"/>
-              <a:t>25.02.2020</a:t>
+              <a:t>26.02.2020</a:t>
             </a:fld>
             <a:endParaRPr lang="cs-CZ"/>
           </a:p>
@@ -1082,7 +1082,7 @@
           <a:p>
             <a:fld id="{0DA6F2F8-F70A-47D7-AD2D-4F12E71A0C18}" type="datetimeFigureOut">
               <a:rPr lang="cs-CZ" smtClean="0"/>
-              <a:t>25.02.2020</a:t>
+              <a:t>26.02.2020</a:t>
             </a:fld>
             <a:endParaRPr lang="cs-CZ"/>
           </a:p>
@@ -1297,7 +1297,7 @@
           <a:p>
             <a:fld id="{0DA6F2F8-F70A-47D7-AD2D-4F12E71A0C18}" type="datetimeFigureOut">
               <a:rPr lang="cs-CZ" smtClean="0"/>
-              <a:t>25.02.2020</a:t>
+              <a:t>26.02.2020</a:t>
             </a:fld>
             <a:endParaRPr lang="cs-CZ"/>
           </a:p>
@@ -1572,7 +1572,7 @@
           <a:p>
             <a:fld id="{0DA6F2F8-F70A-47D7-AD2D-4F12E71A0C18}" type="datetimeFigureOut">
               <a:rPr lang="cs-CZ" smtClean="0"/>
-              <a:t>25.02.2020</a:t>
+              <a:t>26.02.2020</a:t>
             </a:fld>
             <a:endParaRPr lang="cs-CZ"/>
           </a:p>
@@ -1889,7 +1889,7 @@
           <a:p>
             <a:fld id="{0DA6F2F8-F70A-47D7-AD2D-4F12E71A0C18}" type="datetimeFigureOut">
               <a:rPr lang="cs-CZ" smtClean="0"/>
-              <a:t>25.02.2020</a:t>
+              <a:t>26.02.2020</a:t>
             </a:fld>
             <a:endParaRPr lang="cs-CZ" dirty="0"/>
           </a:p>
@@ -2340,7 +2340,7 @@
           <a:p>
             <a:fld id="{0DA6F2F8-F70A-47D7-AD2D-4F12E71A0C18}" type="datetimeFigureOut">
               <a:rPr lang="cs-CZ" smtClean="0"/>
-              <a:t>25.02.2020</a:t>
+              <a:t>26.02.2020</a:t>
             </a:fld>
             <a:endParaRPr lang="cs-CZ"/>
           </a:p>
@@ -2487,7 +2487,7 @@
           <a:p>
             <a:fld id="{0DA6F2F8-F70A-47D7-AD2D-4F12E71A0C18}" type="datetimeFigureOut">
               <a:rPr lang="cs-CZ" smtClean="0"/>
-              <a:t>25.02.2020</a:t>
+              <a:t>26.02.2020</a:t>
             </a:fld>
             <a:endParaRPr lang="cs-CZ"/>
           </a:p>
@@ -2594,7 +2594,7 @@
           <a:p>
             <a:fld id="{0DA6F2F8-F70A-47D7-AD2D-4F12E71A0C18}" type="datetimeFigureOut">
               <a:rPr lang="cs-CZ" smtClean="0"/>
-              <a:t>25.02.2020</a:t>
+              <a:t>26.02.2020</a:t>
             </a:fld>
             <a:endParaRPr lang="cs-CZ"/>
           </a:p>
@@ -2885,7 +2885,7 @@
           <a:p>
             <a:fld id="{0DA6F2F8-F70A-47D7-AD2D-4F12E71A0C18}" type="datetimeFigureOut">
               <a:rPr lang="cs-CZ" smtClean="0"/>
-              <a:t>25.02.2020</a:t>
+              <a:t>26.02.2020</a:t>
             </a:fld>
             <a:endParaRPr lang="cs-CZ"/>
           </a:p>
@@ -3154,7 +3154,7 @@
           <a:p>
             <a:fld id="{0DA6F2F8-F70A-47D7-AD2D-4F12E71A0C18}" type="datetimeFigureOut">
               <a:rPr lang="cs-CZ" smtClean="0"/>
-              <a:t>25.02.2020</a:t>
+              <a:t>26.02.2020</a:t>
             </a:fld>
             <a:endParaRPr lang="cs-CZ"/>
           </a:p>
@@ -3418,7 +3418,7 @@
           <a:p>
             <a:fld id="{0DA6F2F8-F70A-47D7-AD2D-4F12E71A0C18}" type="datetimeFigureOut">
               <a:rPr lang="cs-CZ" smtClean="0"/>
-              <a:t>25.02.2020</a:t>
+              <a:t>26.02.2020</a:t>
             </a:fld>
             <a:endParaRPr lang="cs-CZ"/>
           </a:p>
@@ -3886,7 +3886,7 @@
   </p:clrMapOvr>
   <mc:AlternateContent xmlns:mc="http://schemas.openxmlformats.org/markup-compatibility/2006">
     <mc:Choice xmlns:p14="http://schemas.microsoft.com/office/powerpoint/2010/main" Requires="p14">
-      <p:transition p14:dur="0"/>
+      <p:transition p14:dur="10"/>
     </mc:Choice>
     <mc:Fallback>
       <p:transition/>
@@ -4144,7 +4144,7 @@
   </p:clrMapOvr>
   <mc:AlternateContent xmlns:mc="http://schemas.openxmlformats.org/markup-compatibility/2006">
     <mc:Choice xmlns:p14="http://schemas.microsoft.com/office/powerpoint/2010/main" Requires="p14">
-      <p:transition p14:dur="0"/>
+      <p:transition p14:dur="10"/>
     </mc:Choice>
     <mc:Fallback>
       <p:transition/>
@@ -4345,6 +4345,53 @@
           </a:p>
         </p:txBody>
       </p:sp>
+      <p:pic>
+        <p:nvPicPr>
+          <p:cNvPr id="4" name="Picture 2" descr="Image result for demo">
+            <a:extLst>
+              <a:ext uri="{FF2B5EF4-FFF2-40B4-BE49-F238E27FC236}">
+                <a16:creationId xmlns:a16="http://schemas.microsoft.com/office/drawing/2014/main" id="{4F530104-C15F-43D6-9FE2-EA1F23A1E24A}"/>
+              </a:ext>
+            </a:extLst>
+          </p:cNvPr>
+          <p:cNvPicPr>
+            <a:picLocks noChangeAspect="1" noChangeArrowheads="1"/>
+          </p:cNvPicPr>
+          <p:nvPr/>
+        </p:nvPicPr>
+        <p:blipFill>
+          <a:blip r:embed="rId2">
+            <a:extLst>
+              <a:ext uri="{28A0092B-C50C-407E-A947-70E740481C1C}">
+                <a14:useLocalDpi xmlns:a14="http://schemas.microsoft.com/office/drawing/2010/main" val="0"/>
+              </a:ext>
+            </a:extLst>
+          </a:blip>
+          <a:srcRect/>
+          <a:stretch>
+            <a:fillRect/>
+          </a:stretch>
+        </p:blipFill>
+        <p:spPr bwMode="auto">
+          <a:xfrm>
+            <a:off x="6600056" y="280849"/>
+            <a:ext cx="5842620" cy="2430530"/>
+          </a:xfrm>
+          <a:prstGeom prst="rect">
+            <a:avLst/>
+          </a:prstGeom>
+          <a:noFill/>
+          <a:extLst>
+            <a:ext uri="{909E8E84-426E-40DD-AFC4-6F175D3DCCD1}">
+              <a14:hiddenFill xmlns:a14="http://schemas.microsoft.com/office/drawing/2010/main">
+                <a:solidFill>
+                  <a:srgbClr val="FFFFFF"/>
+                </a:solidFill>
+              </a14:hiddenFill>
+            </a:ext>
+          </a:extLst>
+        </p:spPr>
+      </p:pic>
     </p:spTree>
     <p:extLst>
       <p:ext uri="{BB962C8B-B14F-4D97-AF65-F5344CB8AC3E}">
@@ -4357,12 +4404,87 @@
   </p:clrMapOvr>
   <mc:AlternateContent xmlns:mc="http://schemas.openxmlformats.org/markup-compatibility/2006">
     <mc:Choice xmlns:p14="http://schemas.microsoft.com/office/powerpoint/2010/main" Requires="p14">
-      <p:transition p14:dur="0"/>
+      <p:transition p14:dur="10"/>
     </mc:Choice>
     <mc:Fallback>
       <p:transition/>
     </mc:Fallback>
   </mc:AlternateContent>
+  <p:timing>
+    <p:tnLst>
+      <p:par>
+        <p:cTn id="1" dur="indefinite" restart="never" nodeType="tmRoot">
+          <p:childTnLst>
+            <p:seq concurrent="1" nextAc="seek">
+              <p:cTn id="2" dur="indefinite" nodeType="mainSeq">
+                <p:childTnLst>
+                  <p:par>
+                    <p:cTn id="3" fill="hold">
+                      <p:stCondLst>
+                        <p:cond delay="indefinite"/>
+                      </p:stCondLst>
+                      <p:childTnLst>
+                        <p:par>
+                          <p:cTn id="4" fill="hold">
+                            <p:stCondLst>
+                              <p:cond delay="0"/>
+                            </p:stCondLst>
+                            <p:childTnLst>
+                              <p:par>
+                                <p:cTn id="5" presetID="1" presetClass="entr" presetSubtype="0" fill="hold" nodeType="clickEffect">
+                                  <p:stCondLst>
+                                    <p:cond delay="0"/>
+                                  </p:stCondLst>
+                                  <p:childTnLst>
+                                    <p:set>
+                                      <p:cBhvr>
+                                        <p:cTn id="6" dur="1" fill="hold">
+                                          <p:stCondLst>
+                                            <p:cond delay="0"/>
+                                          </p:stCondLst>
+                                        </p:cTn>
+                                        <p:tgtEl>
+                                          <p:spTgt spid="4"/>
+                                        </p:tgtEl>
+                                        <p:attrNameLst>
+                                          <p:attrName>style.visibility</p:attrName>
+                                        </p:attrNameLst>
+                                      </p:cBhvr>
+                                      <p:to>
+                                        <p:strVal val="visible"/>
+                                      </p:to>
+                                    </p:set>
+                                  </p:childTnLst>
+                                </p:cTn>
+                              </p:par>
+                            </p:childTnLst>
+                          </p:cTn>
+                        </p:par>
+                      </p:childTnLst>
+                    </p:cTn>
+                  </p:par>
+                </p:childTnLst>
+              </p:cTn>
+              <p:prevCondLst>
+                <p:cond evt="onPrev" delay="0">
+                  <p:tgtEl>
+                    <p:sldTgt/>
+                  </p:tgtEl>
+                </p:cond>
+              </p:prevCondLst>
+              <p:nextCondLst>
+                <p:cond evt="onNext" delay="0">
+                  <p:tgtEl>
+                    <p:sldTgt/>
+                  </p:tgtEl>
+                </p:cond>
+              </p:nextCondLst>
+            </p:seq>
+          </p:childTnLst>
+        </p:cTn>
+      </p:par>
+    </p:tnLst>
+  </p:timing>
 </p:sld>
 </file>
 
@@ -4942,12 +5064,9 @@
 </file>
 
 <file path=customXml/item1.xml><?xml version="1.0" encoding="utf-8"?>
-<?mso-contentType ?>
-<FormTemplates xmlns="http://schemas.microsoft.com/sharepoint/v3/contenttype/forms">
-  <Display>DocumentLibraryForm</Display>
-  <Edit>DocumentLibraryForm</Edit>
-  <New>DocumentLibraryForm</New>
-</FormTemplates>
+<p:properties xmlns:p="http://schemas.microsoft.com/office/2006/metadata/properties" xmlns:xsi="http://www.w3.org/2001/XMLSchema-instance" xmlns:pc="http://schemas.microsoft.com/office/infopath/2007/PartnerControls">
+  <documentManagement/>
+</p:properties>
 </file>
 
 <file path=customXml/item2.xml><?xml version="1.0" encoding="utf-8"?>
@@ -5065,15 +5184,19 @@
 </file>
 
 <file path=customXml/item3.xml><?xml version="1.0" encoding="utf-8"?>
-<p:properties xmlns:p="http://schemas.microsoft.com/office/2006/metadata/properties" xmlns:xsi="http://www.w3.org/2001/XMLSchema-instance" xmlns:pc="http://schemas.microsoft.com/office/infopath/2007/PartnerControls">
-  <documentManagement/>
-</p:properties>
+<?mso-contentType ?>
+<FormTemplates xmlns="http://schemas.microsoft.com/sharepoint/v3/contenttype/forms">
+  <Display>DocumentLibraryForm</Display>
+  <Edit>DocumentLibraryForm</Edit>
+  <New>DocumentLibraryForm</New>
+</FormTemplates>
 </file>
 
 <file path=customXml/itemProps1.xml><?xml version="1.0" encoding="utf-8"?>
-<ds:datastoreItem xmlns:ds="http://schemas.openxmlformats.org/officeDocument/2006/customXml" ds:itemID="{B22238E5-BDC0-4655-AFB5-A7405C559E7D}">
+<ds:datastoreItem xmlns:ds="http://schemas.openxmlformats.org/officeDocument/2006/customXml" ds:itemID="{317FD51D-081C-435E-8F5D-6D88218064D9}">
   <ds:schemaRefs>
-    <ds:schemaRef ds:uri="http://schemas.microsoft.com/sharepoint/v3/contenttype/forms"/>
+    <ds:schemaRef ds:uri="http://schemas.microsoft.com/office/2006/metadata/properties"/>
+    <ds:schemaRef ds:uri="http://schemas.microsoft.com/office/infopath/2007/PartnerControls"/>
   </ds:schemaRefs>
 </ds:datastoreItem>
 </file>
@@ -5095,10 +5218,9 @@
 </file>
 
 <file path=customXml/itemProps3.xml><?xml version="1.0" encoding="utf-8"?>
-<ds:datastoreItem xmlns:ds="http://schemas.openxmlformats.org/officeDocument/2006/customXml" ds:itemID="{317FD51D-081C-435E-8F5D-6D88218064D9}">
+<ds:datastoreItem xmlns:ds="http://schemas.openxmlformats.org/officeDocument/2006/customXml" ds:itemID="{B22238E5-BDC0-4655-AFB5-A7405C559E7D}">
   <ds:schemaRefs>
-    <ds:schemaRef ds:uri="http://schemas.microsoft.com/office/2006/metadata/properties"/>
-    <ds:schemaRef ds:uri="http://schemas.microsoft.com/office/infopath/2007/PartnerControls"/>
+    <ds:schemaRef ds:uri="http://schemas.microsoft.com/sharepoint/v3/contenttype/forms"/>
   </ds:schemaRefs>
 </ds:datastoreItem>
 </file>